--- a/Posters/Mabel-Amaya.pptx
+++ b/Posters/Mabel-Amaya.pptx
@@ -214,6 +214,11 @@
       </a:defRPr>
     </a:lvl9pPr>
   </p:defaultTextStyle>
+  <p:extLst>
+    <p:ext uri="{EFAFB233-063F-42B5-8137-9DF3F51BA10A}">
+      <p15:sldGuideLst xmlns:p15="http://schemas.microsoft.com/office/powerpoint/2012/main"/>
+    </p:ext>
+  </p:extLst>
 </p:presentation>
 </file>
 
@@ -18017,39 +18022,7 @@
             </a:r>
             <a:r>
               <a:rPr lang="en-US" sz="3000" dirty="0"/>
-              <a:t>			Figure 1					</a:t>
-            </a:r>
-            <a:r>
-              <a:rPr lang="en-US" sz="3000" dirty="0" smtClean="0"/>
-              <a:t>Figure </a:t>
-            </a:r>
-            <a:r>
-              <a:rPr lang="en-US" sz="3000" dirty="0"/>
-              <a:t>2					</a:t>
-            </a:r>
-            <a:r>
-              <a:rPr lang="en-US" sz="3000" dirty="0" smtClean="0"/>
-              <a:t>Figure </a:t>
-            </a:r>
-            <a:r>
-              <a:rPr lang="en-US" sz="3000" dirty="0"/>
-              <a:t>3					</a:t>
-            </a:r>
-            <a:r>
-              <a:rPr lang="en-US" sz="3000" dirty="0" smtClean="0"/>
-              <a:t>Figure </a:t>
-            </a:r>
-            <a:r>
-              <a:rPr lang="en-US" sz="3000" dirty="0"/>
-              <a:t>4				</a:t>
-            </a:r>
-            <a:r>
-              <a:rPr lang="en-US" sz="3000" dirty="0" smtClean="0"/>
-              <a:t>Figure </a:t>
-            </a:r>
-            <a:r>
-              <a:rPr lang="en-US" sz="3000" dirty="0"/>
-              <a:t>5</a:t>
+              <a:t>																																										</a:t>
             </a:r>
           </a:p>
           <a:p>
@@ -18523,12 +18496,60 @@
               <a:buNone/>
             </a:pPr>
             <a:r>
-              <a:rPr lang="en-US" sz="2400">
+              <a:rPr lang="en-US" sz="2400" dirty="0">
                 <a:solidFill>
                   <a:schemeClr val="dk1"/>
                 </a:solidFill>
               </a:rPr>
-              <a:t>The material presented in this poster is based upon the work supported by Helen Gonzalez. I am thankful to the help that I received from my group members, Nickolas Morales, in the process of creating this software. Special thanks to Stackoverflow for bug fix help and the documentation for the respective technologies mentioned above.</a:t>
+              <a:t>The material presented in this poster is based upon the work supported by Helen Gonzalez for the Florida Academic Advising Association. I am thankful to the help that I received from my group members, Nickolas Morales, in the process of creating the front-end of this application. Special thanks to </a:t>
+            </a:r>
+            <a:r>
+              <a:rPr lang="en-US" sz="2400" dirty="0" err="1">
+                <a:solidFill>
+                  <a:schemeClr val="dk1"/>
+                </a:solidFill>
+              </a:rPr>
+              <a:t>Stackoverflow</a:t>
+            </a:r>
+            <a:r>
+              <a:rPr lang="en-US" sz="2400" dirty="0">
+                <a:solidFill>
+                  <a:schemeClr val="dk1"/>
+                </a:solidFill>
+              </a:rPr>
+              <a:t>, </a:t>
+            </a:r>
+            <a:r>
+              <a:rPr lang="en-US" sz="2400" dirty="0" err="1">
+                <a:solidFill>
+                  <a:schemeClr val="dk1"/>
+                </a:solidFill>
+              </a:rPr>
+              <a:t>AngularJs</a:t>
+            </a:r>
+            <a:r>
+              <a:rPr lang="en-US" sz="2400" dirty="0">
+                <a:solidFill>
+                  <a:schemeClr val="dk1"/>
+                </a:solidFill>
+              </a:rPr>
+              <a:t>  and </a:t>
+            </a:r>
+            <a:r>
+              <a:rPr lang="en-US" sz="2400" dirty="0" err="1">
+                <a:solidFill>
+                  <a:schemeClr val="dk1"/>
+                </a:solidFill>
+              </a:rPr>
+              <a:t>MongodDB</a:t>
+            </a:r>
+            <a:r>
+              <a:rPr lang="en-US" sz="2400" dirty="0">
+                <a:solidFill>
+                  <a:schemeClr val="dk1"/>
+                </a:solidFill>
+              </a:rPr>
+              <a:t> for bug fix help and the documentation for the respective technologies mentioned above.</a:t>
             </a:r>
           </a:p>
           <a:p>
@@ -18538,7 +18559,7 @@
               </a:spcBef>
               <a:buNone/>
             </a:pPr>
-            <a:endParaRPr/>
+            <a:endParaRPr dirty="0"/>
           </a:p>
         </p:txBody>
       </p:sp>
@@ -18558,92 +18579,8 @@
         </p:blipFill>
         <p:spPr>
           <a:xfrm>
-            <a:off x="12183374" y="25415687"/>
-            <a:ext cx="9808349" cy="4649474"/>
-          </a:xfrm>
-          <a:prstGeom prst="rect">
-            <a:avLst/>
-          </a:prstGeom>
-          <a:noFill/>
-          <a:ln>
-            <a:noFill/>
-          </a:ln>
-        </p:spPr>
-      </p:pic>
-      <p:pic>
-        <p:nvPicPr>
-          <p:cNvPr id="102" name="Shape 102"/>
-          <p:cNvPicPr preferRelativeResize="0"/>
-          <p:nvPr/>
-        </p:nvPicPr>
-        <p:blipFill>
-          <a:blip r:embed="rId4">
-            <a:alphaModFix/>
-          </a:blip>
-          <a:stretch>
-            <a:fillRect/>
-          </a:stretch>
-        </p:blipFill>
-        <p:spPr>
-          <a:xfrm>
-            <a:off x="14920283" y="15241924"/>
-            <a:ext cx="6220243" cy="4533899"/>
-          </a:xfrm>
-          <a:prstGeom prst="rect">
-            <a:avLst/>
-          </a:prstGeom>
-          <a:noFill/>
-          <a:ln>
-            <a:noFill/>
-          </a:ln>
-        </p:spPr>
-      </p:pic>
-      <p:pic>
-        <p:nvPicPr>
-          <p:cNvPr id="103" name="Shape 103"/>
-          <p:cNvPicPr preferRelativeResize="0"/>
-          <p:nvPr/>
-        </p:nvPicPr>
-        <p:blipFill>
-          <a:blip r:embed="rId5">
-            <a:alphaModFix/>
-          </a:blip>
-          <a:stretch>
-            <a:fillRect/>
-          </a:stretch>
-        </p:blipFill>
-        <p:spPr>
-          <a:xfrm>
-            <a:off x="21462974" y="15252140"/>
-            <a:ext cx="3295650" cy="4533910"/>
-          </a:xfrm>
-          <a:prstGeom prst="rect">
-            <a:avLst/>
-          </a:prstGeom>
-          <a:noFill/>
-          <a:ln>
-            <a:noFill/>
-          </a:ln>
-        </p:spPr>
-      </p:pic>
-      <p:pic>
-        <p:nvPicPr>
-          <p:cNvPr id="104" name="Shape 104"/>
-          <p:cNvPicPr preferRelativeResize="0"/>
-          <p:nvPr/>
-        </p:nvPicPr>
-        <p:blipFill>
-          <a:blip r:embed="rId6">
-            <a:alphaModFix/>
-          </a:blip>
-          <a:stretch>
-            <a:fillRect/>
-          </a:stretch>
-        </p:blipFill>
-        <p:spPr>
-          <a:xfrm>
-            <a:off x="25081076" y="15281450"/>
-            <a:ext cx="6074749" cy="4454855"/>
+            <a:off x="12016124" y="25415687"/>
+            <a:ext cx="9975600" cy="4649474"/>
           </a:xfrm>
           <a:prstGeom prst="rect">
             <a:avLst/>
@@ -18865,7 +18802,7 @@
           <p:nvPr/>
         </p:nvPicPr>
         <p:blipFill>
-          <a:blip r:embed="rId7">
+          <a:blip r:embed="rId4">
             <a:alphaModFix/>
           </a:blip>
           <a:stretch>
@@ -18893,7 +18830,7 @@
           <p:nvPr/>
         </p:nvPicPr>
         <p:blipFill>
-          <a:blip r:embed="rId8">
+          <a:blip r:embed="rId5">
             <a:alphaModFix/>
           </a:blip>
           <a:stretch>
@@ -18921,7 +18858,7 @@
           <p:nvPr/>
         </p:nvPicPr>
         <p:blipFill>
-          <a:blip r:embed="rId9">
+          <a:blip r:embed="rId6">
             <a:alphaModFix/>
           </a:blip>
           <a:stretch>
@@ -19039,7 +18976,7 @@
           <p:nvPr/>
         </p:nvPicPr>
         <p:blipFill>
-          <a:blip r:embed="rId10">
+          <a:blip r:embed="rId7">
             <a:alphaModFix/>
           </a:blip>
           <a:stretch>
@@ -19068,8 +19005,8 @@
         </p:nvSpPr>
         <p:spPr>
           <a:xfrm>
-            <a:off x="9401324" y="2114461"/>
-            <a:ext cx="15357300" cy="1077900"/>
+            <a:off x="9325274" y="2293187"/>
+            <a:ext cx="15357300" cy="919794"/>
           </a:xfrm>
           <a:prstGeom prst="rect">
             <a:avLst/>
@@ -19103,7 +19040,7 @@
               <a:buNone/>
             </a:pPr>
             <a:r>
-              <a:rPr lang="en-US" sz="7200" b="1">
+              <a:rPr lang="en-US" sz="7200" b="1" dirty="0">
                 <a:solidFill>
                   <a:schemeClr val="dk1"/>
                 </a:solidFill>
@@ -19115,7 +19052,7 @@
               <a:t>VIP, 2017</a:t>
             </a:r>
             <a:r>
-              <a:rPr lang="en-US" sz="7200" b="1" i="0" u="none" strike="noStrike" cap="none">
+              <a:rPr lang="en-US" sz="7200" b="1" i="0" u="none" strike="noStrike" cap="none" dirty="0">
                 <a:solidFill>
                   <a:schemeClr val="dk1"/>
                 </a:solidFill>
@@ -19127,7 +19064,7 @@
               <a:t>, </a:t>
             </a:r>
             <a:r>
-              <a:rPr lang="en-US" sz="7200" b="1">
+              <a:rPr lang="en-US" sz="7200" b="1" dirty="0">
                 <a:solidFill>
                   <a:schemeClr val="dk1"/>
                 </a:solidFill>
@@ -19184,7 +19121,7 @@
               <a:buNone/>
             </a:pPr>
             <a:r>
-              <a:rPr lang="en-US" sz="6000" b="1">
+              <a:rPr lang="en-US" sz="6000" b="1" dirty="0">
                 <a:solidFill>
                   <a:srgbClr val="3333CC"/>
                 </a:solidFill>
@@ -19211,6 +19148,18 @@
               <a:buNone/>
             </a:pPr>
             <a:r>
+              <a:rPr lang="en-US" sz="3500" b="1" i="0" u="none" strike="noStrike" cap="none" dirty="0">
+                <a:solidFill>
+                  <a:srgbClr val="3333CC"/>
+                </a:solidFill>
+                <a:latin typeface="Arial"/>
+                <a:ea typeface="Arial"/>
+                <a:cs typeface="Arial"/>
+                <a:sym typeface="Arial"/>
+              </a:rPr>
+              <a:t>Student</a:t>
+            </a:r>
+            <a:r>
               <a:rPr lang="en-US" sz="3500" b="1" i="0" u="none" strike="noStrike" cap="none">
                 <a:solidFill>
                   <a:srgbClr val="3333CC"/>
@@ -19220,7 +19169,7 @@
                 <a:cs typeface="Arial"/>
                 <a:sym typeface="Arial"/>
               </a:rPr>
-              <a:t>Student: </a:t>
+              <a:t>: </a:t>
             </a:r>
             <a:r>
               <a:rPr lang="en-US" sz="3500">
@@ -19228,10 +19177,18 @@
                   <a:srgbClr val="3333CC"/>
                 </a:solidFill>
               </a:rPr>
-              <a:t>Nickolas Morales, Mabel Amaya</a:t>
+              <a:t>Mabel </a:t>
             </a:r>
             <a:r>
-              <a:rPr lang="en-US" sz="3500" b="0" i="0" u="none" strike="noStrike" cap="none">
+              <a:rPr lang="en-US" sz="3500" dirty="0">
+                <a:solidFill>
+                  <a:srgbClr val="3333CC"/>
+                </a:solidFill>
+              </a:rPr>
+              <a:t>Amaya</a:t>
+            </a:r>
+            <a:r>
+              <a:rPr lang="en-US" sz="3500" b="0" i="0" u="none" strike="noStrike" cap="none" dirty="0">
                 <a:solidFill>
                   <a:srgbClr val="3333CC"/>
                 </a:solidFill>
@@ -19262,7 +19219,7 @@
               <a:buNone/>
             </a:pPr>
             <a:r>
-              <a:rPr lang="en-US" sz="3500" b="1" i="0" u="none" strike="noStrike" cap="none">
+              <a:rPr lang="en-US" sz="3500" b="1" i="0" u="none" strike="noStrike" cap="none" dirty="0">
                 <a:solidFill>
                   <a:srgbClr val="3333CC"/>
                 </a:solidFill>
@@ -19274,7 +19231,7 @@
               <a:t>Mentor:</a:t>
             </a:r>
             <a:r>
-              <a:rPr lang="en-US" sz="3500" b="1" i="1" u="none" strike="noStrike" cap="none">
+              <a:rPr lang="en-US" sz="3500" b="1" i="1" u="none" strike="noStrike" cap="none" dirty="0">
                 <a:solidFill>
                   <a:srgbClr val="3333CC"/>
                 </a:solidFill>
@@ -19286,7 +19243,7 @@
               <a:t> </a:t>
             </a:r>
             <a:r>
-              <a:rPr lang="en-US" sz="3500" i="1">
+              <a:rPr lang="en-US" sz="3500" i="1" dirty="0">
                 <a:solidFill>
                   <a:srgbClr val="3333CC"/>
                 </a:solidFill>
@@ -19294,7 +19251,7 @@
               <a:t>Helen Gonzalez</a:t>
             </a:r>
             <a:r>
-              <a:rPr lang="en-US" sz="3500" b="0" i="0" u="none" strike="noStrike" cap="none">
+              <a:rPr lang="en-US" sz="3500" b="0" i="0" u="none" strike="noStrike" cap="none" dirty="0">
                 <a:solidFill>
                   <a:srgbClr val="3333CC"/>
                 </a:solidFill>
@@ -19306,7 +19263,7 @@
               <a:t>,</a:t>
             </a:r>
             <a:r>
-              <a:rPr lang="en-US" sz="3500" b="0" i="1" u="none" strike="noStrike" cap="none">
+              <a:rPr lang="en-US" sz="3500" b="0" i="1" u="none" strike="noStrike" cap="none" dirty="0">
                 <a:solidFill>
                   <a:srgbClr val="3333CC"/>
                 </a:solidFill>
@@ -19318,7 +19275,7 @@
               <a:t> </a:t>
             </a:r>
             <a:r>
-              <a:rPr lang="en-US" sz="3500" i="1">
+              <a:rPr lang="en-US" sz="3500" i="1" dirty="0">
                 <a:solidFill>
                   <a:srgbClr val="3333CC"/>
                 </a:solidFill>
@@ -19345,7 +19302,7 @@
               <a:buNone/>
             </a:pPr>
             <a:r>
-              <a:rPr lang="en-US" sz="3500" b="1" i="0" u="none" strike="noStrike" cap="none">
+              <a:rPr lang="en-US" sz="3500" b="1" i="0" u="none" strike="noStrike" cap="none" dirty="0">
                 <a:solidFill>
                   <a:srgbClr val="3333CC"/>
                 </a:solidFill>
@@ -19357,7 +19314,7 @@
               <a:t>Instructor:</a:t>
             </a:r>
             <a:r>
-              <a:rPr lang="en-US" sz="3500" b="1" i="1" u="none" strike="noStrike" cap="none">
+              <a:rPr lang="en-US" sz="3500" b="1" i="1" u="none" strike="noStrike" cap="none" dirty="0">
                 <a:solidFill>
                   <a:srgbClr val="3333CC"/>
                 </a:solidFill>
@@ -19369,7 +19326,7 @@
               <a:t> </a:t>
             </a:r>
             <a:r>
-              <a:rPr lang="en-US" sz="3500" b="0" i="0" u="none" strike="noStrike" cap="none">
+              <a:rPr lang="en-US" sz="3500" b="0" i="0" u="none" strike="noStrike" cap="none" dirty="0" err="1">
                 <a:solidFill>
                   <a:srgbClr val="3333CC"/>
                 </a:solidFill>
@@ -19378,7 +19335,43 @@
                 <a:cs typeface="Arial"/>
                 <a:sym typeface="Arial"/>
               </a:rPr>
-              <a:t>Masoud Sadjadi, Florida International University</a:t>
+              <a:t>Masoud</a:t>
+            </a:r>
+            <a:r>
+              <a:rPr lang="en-US" sz="3500" b="0" i="0" u="none" strike="noStrike" cap="none" dirty="0">
+                <a:solidFill>
+                  <a:srgbClr val="3333CC"/>
+                </a:solidFill>
+                <a:latin typeface="Arial"/>
+                <a:ea typeface="Arial"/>
+                <a:cs typeface="Arial"/>
+                <a:sym typeface="Arial"/>
+              </a:rPr>
+              <a:t> </a:t>
+            </a:r>
+            <a:r>
+              <a:rPr lang="en-US" sz="3500" b="0" i="0" u="none" strike="noStrike" cap="none" dirty="0" err="1">
+                <a:solidFill>
+                  <a:srgbClr val="3333CC"/>
+                </a:solidFill>
+                <a:latin typeface="Arial"/>
+                <a:ea typeface="Arial"/>
+                <a:cs typeface="Arial"/>
+                <a:sym typeface="Arial"/>
+              </a:rPr>
+              <a:t>Sadjadi</a:t>
+            </a:r>
+            <a:r>
+              <a:rPr lang="en-US" sz="3500" b="0" i="0" u="none" strike="noStrike" cap="none" dirty="0">
+                <a:solidFill>
+                  <a:srgbClr val="3333CC"/>
+                </a:solidFill>
+                <a:latin typeface="Arial"/>
+                <a:ea typeface="Arial"/>
+                <a:cs typeface="Arial"/>
+                <a:sym typeface="Arial"/>
+              </a:rPr>
+              <a:t>, Florida International University</a:t>
             </a:r>
           </a:p>
         </p:txBody>
@@ -19447,7 +19440,7 @@
           <p:nvPr/>
         </p:nvPicPr>
         <p:blipFill rotWithShape="1">
-          <a:blip r:embed="rId11">
+          <a:blip r:embed="rId8">
             <a:alphaModFix/>
           </a:blip>
           <a:srcRect/>
@@ -19469,68 +19462,12 @@
       </p:pic>
       <p:pic>
         <p:nvPicPr>
-          <p:cNvPr id="116" name="Shape 116"/>
-          <p:cNvPicPr preferRelativeResize="0"/>
-          <p:nvPr/>
-        </p:nvPicPr>
-        <p:blipFill>
-          <a:blip r:embed="rId12">
-            <a:alphaModFix/>
-          </a:blip>
-          <a:stretch>
-            <a:fillRect/>
-          </a:stretch>
-        </p:blipFill>
-        <p:spPr>
-          <a:xfrm>
-            <a:off x="13096002" y="34011050"/>
-            <a:ext cx="8252435" cy="5858700"/>
-          </a:xfrm>
-          <a:prstGeom prst="rect">
-            <a:avLst/>
-          </a:prstGeom>
-          <a:noFill/>
-          <a:ln>
-            <a:noFill/>
-          </a:ln>
-        </p:spPr>
-      </p:pic>
-      <p:pic>
-        <p:nvPicPr>
-          <p:cNvPr id="117" name="Shape 117"/>
-          <p:cNvPicPr preferRelativeResize="0"/>
-          <p:nvPr/>
-        </p:nvPicPr>
-        <p:blipFill>
-          <a:blip r:embed="rId13">
-            <a:alphaModFix/>
-          </a:blip>
-          <a:stretch>
-            <a:fillRect/>
-          </a:stretch>
-        </p:blipFill>
-        <p:spPr>
-          <a:xfrm>
-            <a:off x="2725425" y="15451488"/>
-            <a:ext cx="5530766" cy="4114798"/>
-          </a:xfrm>
-          <a:prstGeom prst="rect">
-            <a:avLst/>
-          </a:prstGeom>
-          <a:noFill/>
-          <a:ln>
-            <a:noFill/>
-          </a:ln>
-        </p:spPr>
-      </p:pic>
-      <p:pic>
-        <p:nvPicPr>
           <p:cNvPr id="118" name="Shape 118"/>
           <p:cNvPicPr preferRelativeResize="0"/>
           <p:nvPr/>
         </p:nvPicPr>
         <p:blipFill>
-          <a:blip r:embed="rId14">
+          <a:blip r:embed="rId9">
             <a:alphaModFix/>
           </a:blip>
           <a:stretch>
@@ -19558,7 +19495,7 @@
           <p:nvPr/>
         </p:nvPicPr>
         <p:blipFill>
-          <a:blip r:embed="rId15">
+          <a:blip r:embed="rId10">
             <a:alphaModFix/>
           </a:blip>
           <a:stretch>
@@ -19581,40 +19518,12 @@
       </p:pic>
       <p:pic>
         <p:nvPicPr>
-          <p:cNvPr id="120" name="Shape 120"/>
-          <p:cNvPicPr preferRelativeResize="0"/>
-          <p:nvPr/>
-        </p:nvPicPr>
-        <p:blipFill>
-          <a:blip r:embed="rId16">
-            <a:alphaModFix/>
-          </a:blip>
-          <a:stretch>
-            <a:fillRect/>
-          </a:stretch>
-        </p:blipFill>
-        <p:spPr>
-          <a:xfrm>
-            <a:off x="9098237" y="15276038"/>
-            <a:ext cx="4980000" cy="4465707"/>
-          </a:xfrm>
-          <a:prstGeom prst="rect">
-            <a:avLst/>
-          </a:prstGeom>
-          <a:noFill/>
-          <a:ln>
-            <a:noFill/>
-          </a:ln>
-        </p:spPr>
-      </p:pic>
-      <p:pic>
-        <p:nvPicPr>
           <p:cNvPr id="121" name="Shape 121" descr="heroku-Logo-1.jpg"/>
           <p:cNvPicPr preferRelativeResize="0"/>
           <p:nvPr/>
         </p:nvPicPr>
         <p:blipFill>
-          <a:blip r:embed="rId17">
+          <a:blip r:embed="rId11">
             <a:alphaModFix/>
           </a:blip>
           <a:stretch>
@@ -19633,6 +19542,150 @@
           <a:ln>
             <a:noFill/>
           </a:ln>
+        </p:spPr>
+      </p:pic>
+      <p:pic>
+        <p:nvPicPr>
+          <p:cNvPr id="3" name="Picture 2"/>
+          <p:cNvPicPr>
+            <a:picLocks noChangeAspect="1"/>
+          </p:cNvPicPr>
+          <p:nvPr/>
+        </p:nvPicPr>
+        <p:blipFill>
+          <a:blip r:embed="rId12"/>
+          <a:stretch>
+            <a:fillRect/>
+          </a:stretch>
+        </p:blipFill>
+        <p:spPr>
+          <a:xfrm>
+            <a:off x="3352800" y="13112429"/>
+            <a:ext cx="7601670" cy="4279888"/>
+          </a:xfrm>
+          <a:prstGeom prst="rect">
+            <a:avLst/>
+          </a:prstGeom>
+        </p:spPr>
+      </p:pic>
+      <p:pic>
+        <p:nvPicPr>
+          <p:cNvPr id="5" name="Picture 4"/>
+          <p:cNvPicPr>
+            <a:picLocks noChangeAspect="1"/>
+          </p:cNvPicPr>
+          <p:nvPr/>
+        </p:nvPicPr>
+        <p:blipFill>
+          <a:blip r:embed="rId13"/>
+          <a:stretch>
+            <a:fillRect/>
+          </a:stretch>
+        </p:blipFill>
+        <p:spPr>
+          <a:xfrm>
+            <a:off x="3352800" y="17651371"/>
+            <a:ext cx="7593460" cy="4306659"/>
+          </a:xfrm>
+          <a:prstGeom prst="rect">
+            <a:avLst/>
+          </a:prstGeom>
+        </p:spPr>
+      </p:pic>
+      <p:pic>
+        <p:nvPicPr>
+          <p:cNvPr id="7" name="Picture 6"/>
+          <p:cNvPicPr>
+            <a:picLocks noChangeAspect="1"/>
+          </p:cNvPicPr>
+          <p:nvPr/>
+        </p:nvPicPr>
+        <p:blipFill>
+          <a:blip r:embed="rId14"/>
+          <a:stretch>
+            <a:fillRect/>
+          </a:stretch>
+        </p:blipFill>
+        <p:spPr>
+          <a:xfrm>
+            <a:off x="22597845" y="17572688"/>
+            <a:ext cx="7534479" cy="4282373"/>
+          </a:xfrm>
+          <a:prstGeom prst="rect">
+            <a:avLst/>
+          </a:prstGeom>
+        </p:spPr>
+      </p:pic>
+      <p:pic>
+        <p:nvPicPr>
+          <p:cNvPr id="9" name="Picture 8"/>
+          <p:cNvPicPr>
+            <a:picLocks noChangeAspect="1"/>
+          </p:cNvPicPr>
+          <p:nvPr/>
+        </p:nvPicPr>
+        <p:blipFill>
+          <a:blip r:embed="rId15"/>
+          <a:stretch>
+            <a:fillRect/>
+          </a:stretch>
+        </p:blipFill>
+        <p:spPr>
+          <a:xfrm>
+            <a:off x="22425310" y="13207754"/>
+            <a:ext cx="7484078" cy="4179421"/>
+          </a:xfrm>
+          <a:prstGeom prst="rect">
+            <a:avLst/>
+          </a:prstGeom>
+        </p:spPr>
+      </p:pic>
+      <p:pic>
+        <p:nvPicPr>
+          <p:cNvPr id="11" name="Picture 10"/>
+          <p:cNvPicPr>
+            <a:picLocks noChangeAspect="1"/>
+          </p:cNvPicPr>
+          <p:nvPr/>
+        </p:nvPicPr>
+        <p:blipFill>
+          <a:blip r:embed="rId16"/>
+          <a:stretch>
+            <a:fillRect/>
+          </a:stretch>
+        </p:blipFill>
+        <p:spPr>
+          <a:xfrm>
+            <a:off x="12090604" y="14678242"/>
+            <a:ext cx="9138120" cy="5175516"/>
+          </a:xfrm>
+          <a:prstGeom prst="rect">
+            <a:avLst/>
+          </a:prstGeom>
+        </p:spPr>
+      </p:pic>
+      <p:pic>
+        <p:nvPicPr>
+          <p:cNvPr id="13" name="Picture 12"/>
+          <p:cNvPicPr>
+            <a:picLocks noChangeAspect="1"/>
+          </p:cNvPicPr>
+          <p:nvPr/>
+        </p:nvPicPr>
+        <p:blipFill>
+          <a:blip r:embed="rId17"/>
+          <a:stretch>
+            <a:fillRect/>
+          </a:stretch>
+        </p:blipFill>
+        <p:spPr>
+          <a:xfrm>
+            <a:off x="13923562" y="34134497"/>
+            <a:ext cx="5964637" cy="5833461"/>
+          </a:xfrm>
+          <a:prstGeom prst="rect">
+            <a:avLst/>
+          </a:prstGeom>
         </p:spPr>
       </p:pic>
     </p:spTree>
